--- a/47.pptx
+++ b/47.pptx
@@ -6504,175 +6504,6 @@
           <a:chExt cx="0" cy="0"/>
         </a:xfrm>
       </p:grpSpPr>
-      <p:sp>
-        <p:nvSpPr>
-          <p:cNvPr id="3" name="内容占位符 2"/>
-          <p:cNvSpPr>
-            <a:spLocks noGrp="1"/>
-          </p:cNvSpPr>
-          <p:nvPr>
-            <p:ph idx="1"/>
-          </p:nvPr>
-        </p:nvSpPr>
-        <p:spPr>
-          <a:xfrm>
-            <a:off x="794340" y="1825625"/>
-            <a:ext cx="3011541" cy="4351338"/>
-          </a:xfrm>
-        </p:spPr>
-        <p:txBody>
-          <a:bodyPr/>
-          <a:lstStyle/>
-          <a:p>
-            <a:endParaRPr lang="en-US" altLang="zh-CN" b="1" dirty="0" smtClean="0">
-              <a:latin typeface="Times New Roman"/>
-              <a:cs typeface="Times New Roman"/>
-            </a:endParaRPr>
-          </a:p>
-          <a:p>
-            <a:pPr>
-              <a:buFont typeface="Wingdings" charset="2"/>
-              <a:buChar char=""/>
-            </a:pPr>
-            <a:r>
-              <a:rPr lang="en-US" altLang="zh-CN" b="1" dirty="0">
-                <a:latin typeface="Times New Roman"/>
-                <a:cs typeface="Times New Roman"/>
-              </a:rPr>
-              <a:t> </a:t>
-            </a:r>
-            <a:r>
-              <a:rPr lang="en-US" altLang="zh-CN" b="1" dirty="0" smtClean="0">
-                <a:latin typeface="Times New Roman"/>
-                <a:cs typeface="Times New Roman"/>
-              </a:rPr>
-              <a:t>Stepwise   Regression</a:t>
-            </a:r>
-          </a:p>
-          <a:p>
-            <a:pPr marL="0" indent="0">
-              <a:buNone/>
-            </a:pPr>
-            <a:endParaRPr lang="en-US" altLang="zh-CN" b="1" dirty="0" smtClean="0">
-              <a:latin typeface="Times New Roman"/>
-              <a:cs typeface="Times New Roman"/>
-            </a:endParaRPr>
-          </a:p>
-          <a:p>
-            <a:pPr>
-              <a:buFont typeface="Wingdings" charset="2"/>
-              <a:buChar char=""/>
-            </a:pPr>
-            <a:r>
-              <a:rPr lang="en-US" altLang="zh-CN" b="1" dirty="0" smtClean="0">
-                <a:latin typeface="Times New Roman"/>
-                <a:cs typeface="Times New Roman"/>
-              </a:rPr>
-              <a:t>Random Forest</a:t>
-            </a:r>
-          </a:p>
-          <a:p>
-            <a:pPr marL="0" indent="0">
-              <a:buNone/>
-            </a:pPr>
-            <a:endParaRPr lang="en-US" altLang="zh-CN" b="1" dirty="0" smtClean="0">
-              <a:latin typeface="Times New Roman"/>
-              <a:cs typeface="Times New Roman"/>
-            </a:endParaRPr>
-          </a:p>
-          <a:p>
-            <a:pPr marL="0" indent="0">
-              <a:buNone/>
-            </a:pPr>
-            <a:r>
-              <a:rPr lang="en-US" altLang="zh-CN" dirty="0" smtClean="0">
-                <a:latin typeface="Times New Roman"/>
-                <a:cs typeface="Times New Roman"/>
-              </a:rPr>
-              <a:t> </a:t>
-            </a:r>
-            <a:endParaRPr kumimoji="1" lang="zh-CN" altLang="en-US" dirty="0">
-              <a:latin typeface="Times New Roman"/>
-              <a:cs typeface="Times New Roman"/>
-            </a:endParaRPr>
-          </a:p>
-        </p:txBody>
-      </p:sp>
-      <p:sp>
-        <p:nvSpPr>
-          <p:cNvPr id="4" name="Title 1"/>
-          <p:cNvSpPr txBox="1">
-            <a:spLocks/>
-          </p:cNvSpPr>
-          <p:nvPr/>
-        </p:nvSpPr>
-        <p:spPr>
-          <a:xfrm>
-            <a:off x="839788" y="457200"/>
-            <a:ext cx="3932237" cy="854242"/>
-          </a:xfrm>
-          <a:prstGeom prst="rect">
-            <a:avLst/>
-          </a:prstGeom>
-        </p:spPr>
-        <p:txBody>
-          <a:bodyPr vert="horz" lIns="91440" tIns="45720" rIns="91440" bIns="45720" rtlCol="0" anchor="ctr">
-            <a:normAutofit/>
-          </a:bodyPr>
-          <a:lstStyle>
-            <a:lvl1pPr algn="l" defTabSz="914400" rtl="0" eaLnBrk="1" latinLnBrk="0" hangingPunct="1">
-              <a:lnSpc>
-                <a:spcPct val="90000"/>
-              </a:lnSpc>
-              <a:spcBef>
-                <a:spcPct val="0"/>
-              </a:spcBef>
-              <a:buNone/>
-              <a:defRPr sz="5400" b="0" kern="1200">
-                <a:gradFill flip="none" rotWithShape="1">
-                  <a:gsLst>
-                    <a:gs pos="28000">
-                      <a:schemeClr val="tx1">
-                        <a:lumMod val="93000"/>
-                      </a:schemeClr>
-                    </a:gs>
-                    <a:gs pos="0">
-                      <a:schemeClr val="bg1">
-                        <a:lumMod val="13000"/>
-                        <a:lumOff val="87000"/>
-                      </a:schemeClr>
-                    </a:gs>
-                    <a:gs pos="100000">
-                      <a:schemeClr val="tx2">
-                        <a:lumMod val="0"/>
-                        <a:lumOff val="100000"/>
-                      </a:schemeClr>
-                    </a:gs>
-                  </a:gsLst>
-                  <a:lin ang="4800000" scaled="0"/>
-                  <a:tileRect/>
-                </a:gradFill>
-                <a:latin typeface="+mj-lt"/>
-                <a:ea typeface="+mj-ea"/>
-                <a:cs typeface="+mj-cs"/>
-              </a:defRPr>
-            </a:lvl1pPr>
-          </a:lstStyle>
-          <a:p>
-            <a:r>
-              <a:rPr lang="en-US" dirty="0" smtClean="0">
-                <a:latin typeface="Times New Roman"/>
-                <a:cs typeface="Times New Roman"/>
-              </a:rPr>
-              <a:t>Models</a:t>
-            </a:r>
-            <a:endParaRPr lang="en-US" dirty="0">
-              <a:latin typeface="Times New Roman"/>
-              <a:cs typeface="Times New Roman"/>
-            </a:endParaRPr>
-          </a:p>
-        </p:txBody>
-      </p:sp>
       <p:pic>
         <p:nvPicPr>
           <p:cNvPr id="5" name="Content Placeholder 4"/>
@@ -6703,6 +6534,59 @@
           </a:prstGeom>
         </p:spPr>
       </p:pic>
+      <p:sp>
+        <p:nvSpPr>
+          <p:cNvPr id="2" name="Rectangle 1"/>
+          <p:cNvSpPr/>
+          <p:nvPr/>
+        </p:nvSpPr>
+        <p:spPr>
+          <a:xfrm>
+            <a:off x="662841" y="599987"/>
+            <a:ext cx="3793525" cy="1569660"/>
+          </a:xfrm>
+          <a:prstGeom prst="rect">
+            <a:avLst/>
+          </a:prstGeom>
+        </p:spPr>
+        <p:txBody>
+          <a:bodyPr wrap="square">
+            <a:spAutoFit/>
+          </a:bodyPr>
+          <a:lstStyle/>
+          <a:p>
+            <a:pPr>
+              <a:buFont typeface="Wingdings" charset="2"/>
+              <a:buChar char=""/>
+            </a:pPr>
+            <a:r>
+              <a:rPr lang="en-US" altLang="zh-CN" sz="4800" b="1" dirty="0">
+                <a:latin typeface="Times New Roman"/>
+                <a:cs typeface="Times New Roman"/>
+              </a:rPr>
+              <a:t> Stepwise   </a:t>
+            </a:r>
+            <a:r>
+              <a:rPr lang="zh-CN" altLang="en-US" sz="4800" b="1" dirty="0" smtClean="0">
+                <a:latin typeface="Times New Roman"/>
+                <a:cs typeface="Times New Roman"/>
+              </a:rPr>
+              <a:t>  </a:t>
+            </a:r>
+            <a:r>
+              <a:rPr lang="en-US" altLang="zh-CN" sz="4800" b="1" dirty="0" smtClean="0">
+                <a:latin typeface="Times New Roman"/>
+                <a:cs typeface="Times New Roman"/>
+              </a:rPr>
+              <a:t>Regression</a:t>
+            </a:r>
+            <a:endParaRPr lang="en-US" altLang="zh-CN" sz="4800" b="1" dirty="0">
+              <a:latin typeface="Times New Roman"/>
+              <a:cs typeface="Times New Roman"/>
+            </a:endParaRPr>
+          </a:p>
+        </p:txBody>
+      </p:sp>
     </p:spTree>
     <p:extLst>
       <p:ext uri="{BB962C8B-B14F-4D97-AF65-F5344CB8AC3E}">
@@ -6755,8 +6639,8 @@
         </p:blipFill>
         <p:spPr>
           <a:xfrm>
-            <a:off x="783512" y="167961"/>
-            <a:ext cx="5599477" cy="6464405"/>
+            <a:off x="783512" y="864973"/>
+            <a:ext cx="5839710" cy="5767392"/>
           </a:xfrm>
           <a:prstGeom prst="rect">
             <a:avLst/>
@@ -7699,6 +7583,76 @@
           <a:p>
             <a:pPr algn="ctr"/>
             <a:endParaRPr kumimoji="1" lang="zh-CN" altLang="en-US"/>
+          </a:p>
+        </p:txBody>
+      </p:sp>
+      <p:sp>
+        <p:nvSpPr>
+          <p:cNvPr id="8" name="内容占位符 2"/>
+          <p:cNvSpPr>
+            <a:spLocks noGrp="1"/>
+          </p:cNvSpPr>
+          <p:nvPr>
+            <p:ph idx="1"/>
+          </p:nvPr>
+        </p:nvSpPr>
+        <p:spPr>
+          <a:xfrm>
+            <a:off x="783303" y="-633372"/>
+            <a:ext cx="5098513" cy="2202677"/>
+          </a:xfrm>
+        </p:spPr>
+        <p:txBody>
+          <a:bodyPr>
+            <a:noAutofit/>
+          </a:bodyPr>
+          <a:lstStyle/>
+          <a:p>
+            <a:pPr marL="0" indent="0">
+              <a:buNone/>
+            </a:pPr>
+            <a:endParaRPr lang="en-US" altLang="zh-CN" sz="4800" b="1" dirty="0" smtClean="0">
+              <a:latin typeface="Times New Roman"/>
+              <a:cs typeface="Times New Roman"/>
+            </a:endParaRPr>
+          </a:p>
+          <a:p>
+            <a:pPr>
+              <a:buFont typeface="Wingdings" charset="2"/>
+              <a:buChar char=""/>
+            </a:pPr>
+            <a:r>
+              <a:rPr lang="en-US" altLang="zh-CN" sz="4800" b="1" dirty="0" smtClean="0">
+                <a:latin typeface="Times New Roman"/>
+                <a:cs typeface="Times New Roman"/>
+              </a:rPr>
+              <a:t>Random Forest</a:t>
+            </a:r>
+          </a:p>
+          <a:p>
+            <a:pPr marL="0" indent="0">
+              <a:buNone/>
+            </a:pPr>
+            <a:endParaRPr lang="en-US" altLang="zh-CN" sz="4800" b="1" dirty="0" smtClean="0">
+              <a:latin typeface="Times New Roman"/>
+              <a:cs typeface="Times New Roman"/>
+            </a:endParaRPr>
+          </a:p>
+          <a:p>
+            <a:pPr marL="0" indent="0">
+              <a:buNone/>
+            </a:pPr>
+            <a:r>
+              <a:rPr lang="en-US" altLang="zh-CN" sz="4800" dirty="0" smtClean="0">
+                <a:latin typeface="Times New Roman"/>
+                <a:cs typeface="Times New Roman"/>
+              </a:rPr>
+              <a:t> </a:t>
+            </a:r>
+            <a:endParaRPr kumimoji="1" lang="zh-CN" altLang="en-US" sz="4800" dirty="0">
+              <a:latin typeface="Times New Roman"/>
+              <a:cs typeface="Times New Roman"/>
+            </a:endParaRPr>
           </a:p>
         </p:txBody>
       </p:sp>
